--- a/doc/Presentación1.pptx
+++ b/doc/Presentación1.pptx
@@ -3902,7 +3902,7 @@
               <a:rPr lang="es-ES" sz="1800" dirty="0">
                 <a:latin typeface="Consolas" panose="020B0609020204030204" pitchFamily="49" charset="0"/>
               </a:rPr>
-              <a:t>En está presentación, expondremos las modificaciones y actualizaciones en el ámbito de la accesibilidad y usabilidad.</a:t>
+              <a:t>En esta presentación, expondremos las modificaciones y actualizaciones en el ámbito de la accesibilidad y usabilidad.</a:t>
             </a:r>
           </a:p>
         </p:txBody>

--- a/doc/Presentación1.pptx
+++ b/doc/Presentación1.pptx
@@ -4757,7 +4757,7 @@
         <p:spPr>
           <a:xfrm>
             <a:off x="380690" y="1773733"/>
-            <a:ext cx="2520281" cy="1754326"/>
+            <a:ext cx="2520281" cy="2031325"/>
           </a:xfrm>
           <a:prstGeom prst="rect">
             <a:avLst/>
@@ -4772,7 +4772,7 @@
           <a:p>
             <a:r>
               <a:rPr lang="es-ES" dirty="0"/>
-              <a:t>Errores localizados</a:t>
+              <a:t>Errores localizados:</a:t>
             </a:r>
           </a:p>
           <a:p>
@@ -4789,7 +4789,7 @@
             </a:pPr>
             <a:r>
               <a:rPr lang="es-ES" dirty="0"/>
-              <a:t>28 errores de accesibilidad</a:t>
+              <a:t>28 errores de accesibilidad.</a:t>
             </a:r>
           </a:p>
           <a:p>
@@ -4806,7 +4806,7 @@
             </a:pPr>
             <a:r>
               <a:rPr lang="es-ES" dirty="0"/>
-              <a:t>3 error usabilidad </a:t>
+              <a:t>3 errores de usabilidad .</a:t>
             </a:r>
           </a:p>
         </p:txBody>
@@ -4910,7 +4910,7 @@
         </p:blipFill>
         <p:spPr>
           <a:xfrm>
-            <a:off x="97145" y="44624"/>
+            <a:off x="25137" y="78099"/>
             <a:ext cx="9011359" cy="6701801"/>
           </a:xfrm>
           <a:prstGeom prst="rect">
@@ -5751,7 +5751,7 @@
         <p:spPr>
           <a:xfrm>
             <a:off x="323528" y="1772816"/>
-            <a:ext cx="2309920" cy="1754326"/>
+            <a:ext cx="2309920" cy="2031325"/>
           </a:xfrm>
           <a:prstGeom prst="rect">
             <a:avLst/>
@@ -5766,7 +5766,7 @@
           <a:p>
             <a:r>
               <a:rPr lang="es-ES" dirty="0"/>
-              <a:t>Errores localizados</a:t>
+              <a:t>Errores localizados:</a:t>
             </a:r>
           </a:p>
           <a:p>
@@ -5783,7 +5783,7 @@
             </a:pPr>
             <a:r>
               <a:rPr lang="es-ES" dirty="0"/>
-              <a:t>25  errores de accesibilidad</a:t>
+              <a:t>25  errores de accesibilidad.</a:t>
             </a:r>
           </a:p>
           <a:p>
@@ -5800,7 +5800,7 @@
             </a:pPr>
             <a:r>
               <a:rPr lang="es-ES" dirty="0"/>
-              <a:t>4 error usabilidad </a:t>
+              <a:t>4 errores de usabilidad .</a:t>
             </a:r>
           </a:p>
         </p:txBody>
@@ -5904,7 +5904,7 @@
         </p:blipFill>
         <p:spPr>
           <a:xfrm>
-            <a:off x="66631" y="98142"/>
+            <a:off x="105866" y="98142"/>
             <a:ext cx="9002638" cy="6858000"/>
           </a:xfrm>
           <a:prstGeom prst="rect">
@@ -7324,7 +7324,7 @@
         <p:spPr>
           <a:xfrm>
             <a:off x="323528" y="1772816"/>
-            <a:ext cx="2309920" cy="1754326"/>
+            <a:ext cx="2309920" cy="2031325"/>
           </a:xfrm>
           <a:prstGeom prst="rect">
             <a:avLst/>
@@ -7339,7 +7339,7 @@
           <a:p>
             <a:r>
               <a:rPr lang="es-ES" dirty="0"/>
-              <a:t>Errores localizados</a:t>
+              <a:t>Errores localizados:</a:t>
             </a:r>
           </a:p>
           <a:p>
@@ -7356,7 +7356,7 @@
             </a:pPr>
             <a:r>
               <a:rPr lang="es-ES" dirty="0"/>
-              <a:t>13 errores de accesibilidad</a:t>
+              <a:t>13 errores de accesibilidad.</a:t>
             </a:r>
           </a:p>
           <a:p>
@@ -7373,7 +7373,7 @@
             </a:pPr>
             <a:r>
               <a:rPr lang="es-ES" dirty="0"/>
-              <a:t>0 error usabilidad </a:t>
+              <a:t>0 errores de usabilidad.</a:t>
             </a:r>
           </a:p>
         </p:txBody>
@@ -7406,7 +7406,7 @@
         </p:blipFill>
         <p:spPr>
           <a:xfrm>
-            <a:off x="-12861" y="-13684"/>
+            <a:off x="-108520" y="-27384"/>
             <a:ext cx="9135901" cy="6858000"/>
           </a:xfrm>
           <a:prstGeom prst="rect">
@@ -7529,7 +7529,7 @@
         </p:blipFill>
         <p:spPr>
           <a:xfrm>
-            <a:off x="0" y="-13684"/>
+            <a:off x="-35496" y="-13684"/>
             <a:ext cx="9144000" cy="486383"/>
           </a:xfrm>
           <a:prstGeom prst="rect">
@@ -8385,7 +8385,7 @@
           <a:p>
             <a:r>
               <a:rPr lang="es-ES" dirty="0"/>
-              <a:t>Errores localizados</a:t>
+              <a:t>Errores localizados:</a:t>
             </a:r>
           </a:p>
           <a:p>
@@ -8402,15 +8402,7 @@
             </a:pPr>
             <a:r>
               <a:rPr lang="es-ES" dirty="0"/>
-              <a:t>6 errores de accesi</a:t>
-            </a:r>
-            <a:r>
-              <a:rPr lang="es-ES" u="sng" dirty="0"/>
-              <a:t>bil</a:t>
-            </a:r>
-            <a:r>
-              <a:rPr lang="es-ES" dirty="0"/>
-              <a:t>idad</a:t>
+              <a:t>6 errores de accesibilidad.</a:t>
             </a:r>
           </a:p>
           <a:p>
@@ -8427,7 +8419,7 @@
             </a:pPr>
             <a:r>
               <a:rPr lang="es-ES" dirty="0"/>
-              <a:t>1 error usabilidad </a:t>
+              <a:t>1 error de usabilidad. </a:t>
             </a:r>
           </a:p>
         </p:txBody>
@@ -8459,7 +8451,7 @@
         </p:blipFill>
         <p:spPr>
           <a:xfrm>
-            <a:off x="-1" y="516727"/>
+            <a:off x="44611" y="516727"/>
             <a:ext cx="9135901" cy="5993904"/>
           </a:xfrm>
           <a:prstGeom prst="rect">
@@ -9594,7 +9586,7 @@
         <p:spPr>
           <a:xfrm>
             <a:off x="403568" y="2394209"/>
-            <a:ext cx="2309920" cy="1754326"/>
+            <a:ext cx="2309920" cy="2031325"/>
           </a:xfrm>
           <a:prstGeom prst="rect">
             <a:avLst/>
@@ -9609,7 +9601,7 @@
           <a:p>
             <a:r>
               <a:rPr lang="es-ES" dirty="0"/>
-              <a:t>Errores localizados</a:t>
+              <a:t>Errores localizados:</a:t>
             </a:r>
           </a:p>
           <a:p>
@@ -9626,7 +9618,7 @@
             </a:pPr>
             <a:r>
               <a:rPr lang="es-ES" dirty="0"/>
-              <a:t>7  errores de accesibilidad</a:t>
+              <a:t>7  errores de accesibilidad.</a:t>
             </a:r>
           </a:p>
           <a:p>
@@ -9643,7 +9635,7 @@
             </a:pPr>
             <a:r>
               <a:rPr lang="es-ES" dirty="0"/>
-              <a:t>1 error usabilidad </a:t>
+              <a:t>1 error de usabilidad.</a:t>
             </a:r>
           </a:p>
         </p:txBody>
@@ -9711,7 +9703,7 @@
         </p:blipFill>
         <p:spPr>
           <a:xfrm>
-            <a:off x="363548" y="173701"/>
+            <a:off x="323528" y="173701"/>
             <a:ext cx="8416904" cy="6510598"/>
           </a:xfrm>
           <a:prstGeom prst="rect">
